--- a/ppts/08-1 HashingFinal.pptx
+++ b/ppts/08-1 HashingFinal.pptx
@@ -218,7 +218,7 @@
           <a:p>
             <a:fld id="{648057B7-EFC7-4AC6-B479-CDD44EB7D654}" type="datetimeFigureOut">
               <a:rPr lang="ko-KR" altLang="en-US" smtClean="0"/>
-              <a:t>21-06-07</a:t>
+              <a:t>21-06-10</a:t>
             </a:fld>
             <a:endParaRPr lang="ko-KR" altLang="en-US"/>
           </a:p>
@@ -7614,15 +7614,7 @@
           <a:p>
             <a:r>
               <a:rPr lang="en-US" altLang="ko-KR" sz="1600" dirty="0" smtClean="0"/>
-              <a:t>Consider a hash table consisting of </a:t>
-            </a:r>
-            <a:r>
-              <a:rPr lang="en-US" altLang="ko-KR" sz="1600" dirty="0" err="1" smtClean="0"/>
-              <a:t>TableSize</a:t>
-            </a:r>
-            <a:r>
-              <a:rPr lang="en-US" altLang="ko-KR" sz="1600" dirty="0" smtClean="0"/>
-              <a:t> = 11, and suppose int keys are hashed into the table using the hash function </a:t>
+              <a:t>Consider a hash table consisting of TableSize = 11, and suppose int keys are hashed into the table using the hash function </a:t>
             </a:r>
             <a:r>
               <a:rPr lang="en-US" altLang="ko-KR" sz="1600" dirty="0" err="1" smtClean="0"/>
@@ -7928,7 +7920,7 @@
               <a:t>    return x % </a:t>
             </a:r>
             <a:r>
-              <a:rPr lang="en-US" altLang="ko-KR" sz="1200" spc="-5" dirty="0" err="1" smtClean="0">
+              <a:rPr lang="en-US" altLang="ko-KR" sz="1200" spc="-5" dirty="0" smtClean="0">
                 <a:latin typeface="Tahoma"/>
                 <a:cs typeface="Tahoma"/>
               </a:rPr>
@@ -14588,15 +14580,7 @@
           <a:p>
             <a:r>
               <a:rPr lang="en-US" altLang="ko-KR" sz="1600" dirty="0" smtClean="0"/>
-              <a:t>Consider a hash table consisting of </a:t>
-            </a:r>
-            <a:r>
-              <a:rPr lang="en-US" altLang="ko-KR" sz="1600" dirty="0" err="1" smtClean="0"/>
-              <a:t>TableSize</a:t>
-            </a:r>
-            <a:r>
-              <a:rPr lang="en-US" altLang="ko-KR" sz="1600" dirty="0" smtClean="0"/>
-              <a:t> = 11, and suppose int keys are hashed into the table using the hash function </a:t>
+              <a:t>Consider a hash table consisting of TableSize = 11, and suppose int keys are hashed into the table using the hash function </a:t>
             </a:r>
             <a:r>
               <a:rPr lang="en-US" altLang="ko-KR" sz="1600" dirty="0" err="1" smtClean="0"/>
@@ -14906,7 +14890,7 @@
               <a:t>    return x % </a:t>
             </a:r>
             <a:r>
-              <a:rPr lang="en-US" altLang="ko-KR" sz="1200" spc="-5" dirty="0" err="1" smtClean="0">
+              <a:rPr lang="en-US" altLang="ko-KR" sz="1200" spc="-5" dirty="0" smtClean="0">
                 <a:latin typeface="Tahoma"/>
                 <a:cs typeface="Tahoma"/>
               </a:rPr>
@@ -19239,10 +19223,10 @@
               <a:t>h</a:t>
             </a:r>
             <a:r>
-              <a:rPr lang="en-US" altLang="ko-KR" baseline="-25000" dirty="0" smtClean="0">
+              <a:rPr lang="en-US" altLang="ko-KR" baseline="-25000" dirty="0">
                 <a:latin typeface="+mn-ea"/>
               </a:rPr>
-              <a:t>0</a:t>
+              <a:t>1</a:t>
             </a:r>
             <a:r>
               <a:rPr lang="en-US" altLang="ko-KR" dirty="0" smtClean="0">
@@ -19535,9 +19519,12 @@
             <a:pPr algn="ctr"/>
             <a:r>
               <a:rPr lang="en-US" altLang="ko-KR" sz="2000" dirty="0" smtClean="0"/>
-              <a:t>h(x) = x % 10</a:t>
-            </a:r>
-            <a:endParaRPr lang="en-US" altLang="ko-KR" sz="2000" dirty="0"/>
+              <a:t>h(x) = x % </a:t>
+            </a:r>
+            <a:r>
+              <a:rPr lang="en-US" altLang="ko-KR" sz="2000" dirty="0"/>
+              <a:t>7</a:t>
+            </a:r>
           </a:p>
         </p:txBody>
       </p:sp>
@@ -19599,13 +19586,8 @@
           <a:p>
             <a:r>
               <a:rPr lang="en-US" altLang="ko-KR" dirty="0"/>
-              <a:t>R is prime number less than </a:t>
-            </a:r>
-            <a:r>
-              <a:rPr lang="en-US" altLang="ko-KR" dirty="0" err="1"/>
-              <a:t>TableSize</a:t>
-            </a:r>
-            <a:endParaRPr lang="en-US" altLang="ko-KR" dirty="0"/>
+              <a:t>R is prime number less than TableSize</a:t>
+            </a:r>
           </a:p>
         </p:txBody>
       </p:sp>
@@ -19814,11 +19796,7 @@
             </a:r>
             <a:r>
               <a:rPr lang="en-US" altLang="ko-KR" spc="-5" dirty="0"/>
-              <a:t>Collision </a:t>
-            </a:r>
-            <a:r>
-              <a:rPr lang="en-US" altLang="ko-KR" spc="-5" dirty="0"/>
-              <a:t>– Double </a:t>
+              <a:t>Collision – Double </a:t>
             </a:r>
             <a:r>
               <a:rPr lang="en-US" altLang="ko-KR" spc="-5" dirty="0" smtClean="0"/>
@@ -24944,13 +24922,8 @@
           <a:p>
             <a:r>
               <a:rPr lang="en-US" altLang="ko-KR" sz="1600" dirty="0"/>
-              <a:t>R is prime number less than </a:t>
-            </a:r>
-            <a:r>
-              <a:rPr lang="en-US" altLang="ko-KR" sz="1600" dirty="0" err="1"/>
-              <a:t>TableSize</a:t>
-            </a:r>
-            <a:endParaRPr lang="en-US" altLang="ko-KR" sz="1600" dirty="0"/>
+              <a:t>R is prime number less than TableSize</a:t>
+            </a:r>
           </a:p>
         </p:txBody>
       </p:sp>

--- a/ppts/08-1 HashingFinal.pptx
+++ b/ppts/08-1 HashingFinal.pptx
@@ -218,7 +218,7 @@
           <a:p>
             <a:fld id="{648057B7-EFC7-4AC6-B479-CDD44EB7D654}" type="datetimeFigureOut">
               <a:rPr lang="ko-KR" altLang="en-US" smtClean="0"/>
-              <a:t>21-06-10</a:t>
+              <a:t>21-06-14</a:t>
             </a:fld>
             <a:endParaRPr lang="ko-KR" altLang="en-US"/>
           </a:p>
@@ -7614,7 +7614,15 @@
           <a:p>
             <a:r>
               <a:rPr lang="en-US" altLang="ko-KR" sz="1600" dirty="0" smtClean="0"/>
-              <a:t>Consider a hash table consisting of TableSize = 11, and suppose int keys are hashed into the table using the hash function </a:t>
+              <a:t>Consider a hash table consisting of </a:t>
+            </a:r>
+            <a:r>
+              <a:rPr lang="en-US" altLang="ko-KR" sz="1600" dirty="0" err="1" smtClean="0"/>
+              <a:t>TableSize</a:t>
+            </a:r>
+            <a:r>
+              <a:rPr lang="en-US" altLang="ko-KR" sz="1600" dirty="0" smtClean="0"/>
+              <a:t> = 11, and suppose int keys are hashed into the table using the hash function </a:t>
             </a:r>
             <a:r>
               <a:rPr lang="en-US" altLang="ko-KR" sz="1600" dirty="0" err="1" smtClean="0"/>
@@ -7920,7 +7928,7 @@
               <a:t>    return x % </a:t>
             </a:r>
             <a:r>
-              <a:rPr lang="en-US" altLang="ko-KR" sz="1200" spc="-5" dirty="0" smtClean="0">
+              <a:rPr lang="en-US" altLang="ko-KR" sz="1200" spc="-5" dirty="0" err="1" smtClean="0">
                 <a:latin typeface="Tahoma"/>
                 <a:cs typeface="Tahoma"/>
               </a:rPr>
@@ -14580,7 +14588,15 @@
           <a:p>
             <a:r>
               <a:rPr lang="en-US" altLang="ko-KR" sz="1600" dirty="0" smtClean="0"/>
-              <a:t>Consider a hash table consisting of TableSize = 11, and suppose int keys are hashed into the table using the hash function </a:t>
+              <a:t>Consider a hash table consisting of </a:t>
+            </a:r>
+            <a:r>
+              <a:rPr lang="en-US" altLang="ko-KR" sz="1600" dirty="0" err="1" smtClean="0"/>
+              <a:t>TableSize</a:t>
+            </a:r>
+            <a:r>
+              <a:rPr lang="en-US" altLang="ko-KR" sz="1600" dirty="0" smtClean="0"/>
+              <a:t> = 11, and suppose int keys are hashed into the table using the hash function </a:t>
             </a:r>
             <a:r>
               <a:rPr lang="en-US" altLang="ko-KR" sz="1600" dirty="0" err="1" smtClean="0"/>
@@ -14890,7 +14906,7 @@
               <a:t>    return x % </a:t>
             </a:r>
             <a:r>
-              <a:rPr lang="en-US" altLang="ko-KR" sz="1200" spc="-5" dirty="0" smtClean="0">
+              <a:rPr lang="en-US" altLang="ko-KR" sz="1200" spc="-5" dirty="0" err="1" smtClean="0">
                 <a:latin typeface="Tahoma"/>
                 <a:cs typeface="Tahoma"/>
               </a:rPr>
@@ -19136,10 +19152,19 @@
               <a:t>% </a:t>
             </a:r>
             <a:r>
+              <a:rPr lang="en-US" altLang="ko-KR" b="1" dirty="0">
+                <a:solidFill>
+                  <a:srgbClr val="C00000"/>
+                </a:solidFill>
+                <a:latin typeface="+mn-ea"/>
+              </a:rPr>
+              <a:t>7</a:t>
+            </a:r>
+            <a:r>
               <a:rPr lang="en-US" altLang="ko-KR" dirty="0">
                 <a:latin typeface="+mn-ea"/>
               </a:rPr>
-              <a:t>7 = </a:t>
+              <a:t> = </a:t>
             </a:r>
             <a:r>
               <a:rPr lang="en-US" altLang="ko-KR" dirty="0" smtClean="0">
@@ -19586,8 +19611,13 @@
           <a:p>
             <a:r>
               <a:rPr lang="en-US" altLang="ko-KR" dirty="0"/>
-              <a:t>R is prime number less than TableSize</a:t>
-            </a:r>
+              <a:t>R is prime number less than </a:t>
+            </a:r>
+            <a:r>
+              <a:rPr lang="en-US" altLang="ko-KR" dirty="0" err="1"/>
+              <a:t>TableSize</a:t>
+            </a:r>
+            <a:endParaRPr lang="en-US" altLang="ko-KR" dirty="0"/>
           </a:p>
         </p:txBody>
       </p:sp>
@@ -24813,11 +24843,15 @@
             </a:r>
             <a:r>
               <a:rPr lang="fr-FR" altLang="ko-KR" b="1" dirty="0" smtClean="0"/>
-              <a:t>  0              0              1              2              </a:t>
-            </a:r>
-            <a:r>
-              <a:rPr lang="fr-FR" altLang="ko-KR" b="1" dirty="0"/>
-              <a:t>2</a:t>
+              <a:t>  0              0              1              </a:t>
+            </a:r>
+            <a:r>
+              <a:rPr lang="fr-FR" altLang="ko-KR" b="1" dirty="0" smtClean="0"/>
+              <a:t>1              </a:t>
+            </a:r>
+            <a:r>
+              <a:rPr lang="fr-FR" altLang="ko-KR" b="1" dirty="0" smtClean="0"/>
+              <a:t>1               ?</a:t>
             </a:r>
             <a:r>
               <a:rPr lang="fr-FR" altLang="ko-KR" b="1" dirty="0" smtClean="0"/>
@@ -24922,8 +24956,13 @@
           <a:p>
             <a:r>
               <a:rPr lang="en-US" altLang="ko-KR" sz="1600" dirty="0"/>
-              <a:t>R is prime number less than TableSize</a:t>
-            </a:r>
+              <a:t>R is prime number less than </a:t>
+            </a:r>
+            <a:r>
+              <a:rPr lang="en-US" altLang="ko-KR" sz="1600" dirty="0" err="1"/>
+              <a:t>TableSize</a:t>
+            </a:r>
+            <a:endParaRPr lang="en-US" altLang="ko-KR" sz="1600" dirty="0"/>
           </a:p>
         </p:txBody>
       </p:sp>
